--- a/Week8/W8.05. Entity Relationship Diagrams.pptx
+++ b/Week8/W8.05. Entity Relationship Diagrams.pptx
@@ -158,6 +158,95 @@
 </p:presentation>
 </file>
 
+<file path=ppt/changesInfos/changesInfo1.xml><?xml version="1.0" encoding="utf-8"?>
+<pc:chgInfo xmlns:a="http://schemas.openxmlformats.org/drawingml/2006/main" xmlns:r="http://schemas.openxmlformats.org/officeDocument/2006/relationships" xmlns:ac="http://schemas.microsoft.com/office/drawing/2013/main/command" xmlns:pc="http://schemas.microsoft.com/office/powerpoint/2013/main/command">
+  <pc:docChgLst>
+    <pc:chgData name="Chuck Kiefriter" userId="a996b49251c4dfd2" providerId="LiveId" clId="{630C6EA4-091B-47DE-8402-EFCA6F24DFCB}"/>
+    <pc:docChg chg="custSel modSld">
+      <pc:chgData name="Chuck Kiefriter" userId="a996b49251c4dfd2" providerId="LiveId" clId="{630C6EA4-091B-47DE-8402-EFCA6F24DFCB}" dt="2024-03-27T23:52:39.163" v="6" actId="14100"/>
+      <pc:docMkLst>
+        <pc:docMk/>
+      </pc:docMkLst>
+      <pc:sldChg chg="modSp mod">
+        <pc:chgData name="Chuck Kiefriter" userId="a996b49251c4dfd2" providerId="LiveId" clId="{630C6EA4-091B-47DE-8402-EFCA6F24DFCB}" dt="2024-03-27T23:47:12.823" v="0" actId="14100"/>
+        <pc:sldMkLst>
+          <pc:docMk/>
+          <pc:sldMk cId="4222048508" sldId="269"/>
+        </pc:sldMkLst>
+        <pc:spChg chg="mod">
+          <ac:chgData name="Chuck Kiefriter" userId="a996b49251c4dfd2" providerId="LiveId" clId="{630C6EA4-091B-47DE-8402-EFCA6F24DFCB}" dt="2024-03-27T23:47:12.823" v="0" actId="14100"/>
+          <ac:spMkLst>
+            <pc:docMk/>
+            <pc:sldMk cId="4222048508" sldId="269"/>
+            <ac:spMk id="3" creationId="{DC6677A1-9190-4819-9278-7A139E1272AF}"/>
+          </ac:spMkLst>
+        </pc:spChg>
+      </pc:sldChg>
+      <pc:sldChg chg="modSp mod">
+        <pc:chgData name="Chuck Kiefriter" userId="a996b49251c4dfd2" providerId="LiveId" clId="{630C6EA4-091B-47DE-8402-EFCA6F24DFCB}" dt="2024-03-27T23:47:30.049" v="1" actId="14100"/>
+        <pc:sldMkLst>
+          <pc:docMk/>
+          <pc:sldMk cId="4283028494" sldId="270"/>
+        </pc:sldMkLst>
+        <pc:spChg chg="mod">
+          <ac:chgData name="Chuck Kiefriter" userId="a996b49251c4dfd2" providerId="LiveId" clId="{630C6EA4-091B-47DE-8402-EFCA6F24DFCB}" dt="2024-03-27T23:47:30.049" v="1" actId="14100"/>
+          <ac:spMkLst>
+            <pc:docMk/>
+            <pc:sldMk cId="4283028494" sldId="270"/>
+            <ac:spMk id="3" creationId="{128C083B-04C3-4C4C-981D-8572A9EB8D75}"/>
+          </ac:spMkLst>
+        </pc:spChg>
+      </pc:sldChg>
+      <pc:sldChg chg="modSp mod">
+        <pc:chgData name="Chuck Kiefriter" userId="a996b49251c4dfd2" providerId="LiveId" clId="{630C6EA4-091B-47DE-8402-EFCA6F24DFCB}" dt="2024-03-27T23:52:39.163" v="6" actId="14100"/>
+        <pc:sldMkLst>
+          <pc:docMk/>
+          <pc:sldMk cId="2321835020" sldId="272"/>
+        </pc:sldMkLst>
+        <pc:spChg chg="mod">
+          <ac:chgData name="Chuck Kiefriter" userId="a996b49251c4dfd2" providerId="LiveId" clId="{630C6EA4-091B-47DE-8402-EFCA6F24DFCB}" dt="2024-03-27T23:52:39.163" v="6" actId="14100"/>
+          <ac:spMkLst>
+            <pc:docMk/>
+            <pc:sldMk cId="2321835020" sldId="272"/>
+            <ac:spMk id="3" creationId="{1A482777-A48B-4E72-890D-99D4CE174071}"/>
+          </ac:spMkLst>
+        </pc:spChg>
+      </pc:sldChg>
+      <pc:sldChg chg="modSp mod">
+        <pc:chgData name="Chuck Kiefriter" userId="a996b49251c4dfd2" providerId="LiveId" clId="{630C6EA4-091B-47DE-8402-EFCA6F24DFCB}" dt="2024-03-27T23:51:25.113" v="5" actId="14100"/>
+        <pc:sldMkLst>
+          <pc:docMk/>
+          <pc:sldMk cId="3036932507" sldId="274"/>
+        </pc:sldMkLst>
+        <pc:spChg chg="mod">
+          <ac:chgData name="Chuck Kiefriter" userId="a996b49251c4dfd2" providerId="LiveId" clId="{630C6EA4-091B-47DE-8402-EFCA6F24DFCB}" dt="2024-03-27T23:51:25.113" v="5" actId="14100"/>
+          <ac:spMkLst>
+            <pc:docMk/>
+            <pc:sldMk cId="3036932507" sldId="274"/>
+            <ac:spMk id="3" creationId="{EBAF918D-7212-4981-82C7-84C4E5E092D3}"/>
+          </ac:spMkLst>
+        </pc:spChg>
+      </pc:sldChg>
+      <pc:sldChg chg="modSp mod">
+        <pc:chgData name="Chuck Kiefriter" userId="a996b49251c4dfd2" providerId="LiveId" clId="{630C6EA4-091B-47DE-8402-EFCA6F24DFCB}" dt="2024-03-27T23:50:50.713" v="4" actId="14100"/>
+        <pc:sldMkLst>
+          <pc:docMk/>
+          <pc:sldMk cId="1189528368" sldId="275"/>
+        </pc:sldMkLst>
+        <pc:spChg chg="mod">
+          <ac:chgData name="Chuck Kiefriter" userId="a996b49251c4dfd2" providerId="LiveId" clId="{630C6EA4-091B-47DE-8402-EFCA6F24DFCB}" dt="2024-03-27T23:50:50.713" v="4" actId="14100"/>
+          <ac:spMkLst>
+            <pc:docMk/>
+            <pc:sldMk cId="1189528368" sldId="275"/>
+            <ac:spMk id="3" creationId="{906E4EDD-5C09-457B-ABCD-F624F8A7484B}"/>
+          </ac:spMkLst>
+        </pc:spChg>
+      </pc:sldChg>
+    </pc:docChg>
+  </pc:docChgLst>
+</pc:chgInfo>
+</file>
+
 <file path=ppt/notesMasters/notesMaster1.xml><?xml version="1.0" encoding="utf-8"?>
 <p:notesMaster xmlns:a="http://schemas.openxmlformats.org/drawingml/2006/main" xmlns:r="http://schemas.openxmlformats.org/officeDocument/2006/relationships" xmlns:p="http://schemas.openxmlformats.org/presentationml/2006/main">
   <p:cSld>
@@ -240,7 +329,7 @@
           <a:p>
             <a:fld id="{BF1BC3E4-C956-40CB-AFCD-8F927AFF366E}" type="datetimeFigureOut">
               <a:rPr lang="en-US" smtClean="0"/>
-              <a:t>12/30/2021</a:t>
+              <a:t>3/27/2024</a:t>
             </a:fld>
             <a:endParaRPr lang="en-US"/>
           </a:p>
@@ -835,7 +924,7 @@
           <a:p>
             <a:fld id="{548C5E67-172B-4F6A-B3B9-DEF72F952E5B}" type="datetimeFigureOut">
               <a:rPr lang="en-US" smtClean="0"/>
-              <a:t>12/30/2021</a:t>
+              <a:t>3/27/2024</a:t>
             </a:fld>
             <a:endParaRPr lang="en-US"/>
           </a:p>
@@ -1039,7 +1128,7 @@
           <a:p>
             <a:fld id="{548C5E67-172B-4F6A-B3B9-DEF72F952E5B}" type="datetimeFigureOut">
               <a:rPr lang="en-US" smtClean="0"/>
-              <a:t>12/30/2021</a:t>
+              <a:t>3/27/2024</a:t>
             </a:fld>
             <a:endParaRPr lang="en-US"/>
           </a:p>
@@ -1233,7 +1322,7 @@
           <a:p>
             <a:fld id="{548C5E67-172B-4F6A-B3B9-DEF72F952E5B}" type="datetimeFigureOut">
               <a:rPr lang="en-US" smtClean="0"/>
-              <a:t>12/30/2021</a:t>
+              <a:t>3/27/2024</a:t>
             </a:fld>
             <a:endParaRPr lang="en-US"/>
           </a:p>
@@ -2278,7 +2367,7 @@
           <a:p>
             <a:fld id="{548C5E67-172B-4F6A-B3B9-DEF72F952E5B}" type="datetimeFigureOut">
               <a:rPr lang="en-US" smtClean="0"/>
-              <a:t>12/30/2021</a:t>
+              <a:t>3/27/2024</a:t>
             </a:fld>
             <a:endParaRPr lang="en-US"/>
           </a:p>
@@ -2559,7 +2648,7 @@
           <a:p>
             <a:fld id="{548C5E67-172B-4F6A-B3B9-DEF72F952E5B}" type="datetimeFigureOut">
               <a:rPr lang="en-US" smtClean="0"/>
-              <a:t>12/30/2021</a:t>
+              <a:t>3/27/2024</a:t>
             </a:fld>
             <a:endParaRPr lang="en-US"/>
           </a:p>
@@ -3944,7 +4033,12 @@
             <p:ph idx="1"/>
           </p:nvPr>
         </p:nvSpPr>
-        <p:spPr/>
+        <p:spPr>
+          <a:xfrm>
+            <a:off x="838200" y="1825625"/>
+            <a:ext cx="11213592" cy="4351338"/>
+          </a:xfrm>
+        </p:spPr>
         <p:txBody>
           <a:bodyPr/>
           <a:lstStyle/>
@@ -4108,7 +4202,7 @@
         <p:spPr>
           <a:xfrm>
             <a:off x="838200" y="1825625"/>
-            <a:ext cx="7100944" cy="1031875"/>
+            <a:ext cx="9275064" cy="1031875"/>
           </a:xfrm>
         </p:spPr>
         <p:txBody>
@@ -4616,13 +4710,13 @@
         </p:nvSpPr>
         <p:spPr>
           <a:xfrm>
-            <a:off x="838200" y="1825625"/>
-            <a:ext cx="7100944" cy="3203575"/>
+            <a:off x="365760" y="1825625"/>
+            <a:ext cx="11826240" cy="3203575"/>
           </a:xfrm>
         </p:spPr>
         <p:txBody>
           <a:bodyPr>
-            <a:normAutofit lnSpcReduction="10000"/>
+            <a:normAutofit/>
           </a:bodyPr>
           <a:lstStyle/>
           <a:p>
@@ -4806,7 +4900,7 @@
         <p:spPr>
           <a:xfrm>
             <a:off x="838200" y="1825625"/>
-            <a:ext cx="7100944" cy="1831975"/>
+            <a:ext cx="10619232" cy="1831975"/>
           </a:xfrm>
         </p:spPr>
         <p:txBody>
@@ -5126,7 +5220,12 @@
             <p:ph idx="1"/>
           </p:nvPr>
         </p:nvSpPr>
-        <p:spPr/>
+        <p:spPr>
+          <a:xfrm>
+            <a:off x="838200" y="1825625"/>
+            <a:ext cx="11186160" cy="4351338"/>
+          </a:xfrm>
+        </p:spPr>
         <p:txBody>
           <a:bodyPr>
             <a:normAutofit/>
